--- a/notebook/LeetCode刷题/大厂刷题班PPT/第2节.pptx
+++ b/notebook/LeetCode刷题/大厂刷题班PPT/第2节.pptx
@@ -8,13 +8,13 @@
     <p:notesMasterId r:id="rId9"/>
   </p:notesMasterIdLst>
   <p:sldIdLst>
-    <p:sldId id="256" r:id="rId2"/>
-    <p:sldId id="295" r:id="rId3"/>
-    <p:sldId id="296" r:id="rId4"/>
-    <p:sldId id="297" r:id="rId5"/>
-    <p:sldId id="298" r:id="rId6"/>
-    <p:sldId id="302" r:id="rId7"/>
-    <p:sldId id="300" r:id="rId8"/>
+    <p:sldId id="303" r:id="rId2"/>
+    <p:sldId id="304" r:id="rId3"/>
+    <p:sldId id="305" r:id="rId4"/>
+    <p:sldId id="306" r:id="rId5"/>
+    <p:sldId id="307" r:id="rId6"/>
+    <p:sldId id="308" r:id="rId7"/>
+    <p:sldId id="309" r:id="rId8"/>
   </p:sldIdLst>
   <p:sldSz cx="12192000" cy="6858000"/>
   <p:notesSz cx="6858000" cy="9144000"/>
@@ -203,7 +203,7 @@
           <a:p>
             <a:fld id="{782028E9-46BA-4C86-9A29-AE961B0360E3}" type="datetimeFigureOut">
               <a:rPr lang="zh-CN" altLang="en-US" smtClean="0"/>
-              <a:t>2021/4/23</a:t>
+              <a:t>2022/7/12</a:t>
             </a:fld>
             <a:endParaRPr lang="zh-CN" altLang="en-US"/>
           </a:p>
@@ -617,7 +617,7 @@
           <a:p>
             <a:fld id="{CD197A10-BDA0-4058-9A33-0C5238F4F282}" type="datetime1">
               <a:rPr lang="zh-CN" altLang="en-US" smtClean="0"/>
-              <a:t>2021/4/23</a:t>
+              <a:t>2022/7/12</a:t>
             </a:fld>
             <a:endParaRPr lang="zh-CN" altLang="en-US"/>
           </a:p>
@@ -823,7 +823,7 @@
           <a:p>
             <a:fld id="{85AB0413-2FFF-46C2-98D1-488EA38DD690}" type="datetime1">
               <a:rPr lang="zh-CN" altLang="en-US" smtClean="0"/>
-              <a:t>2021/4/23</a:t>
+              <a:t>2022/7/12</a:t>
             </a:fld>
             <a:endParaRPr lang="zh-CN" altLang="en-US"/>
           </a:p>
@@ -1039,7 +1039,7 @@
           <a:p>
             <a:fld id="{50DA80E8-AB52-4369-B0E8-CCA8E04F18AF}" type="datetime1">
               <a:rPr lang="zh-CN" altLang="en-US" smtClean="0"/>
-              <a:t>2021/4/23</a:t>
+              <a:t>2022/7/12</a:t>
             </a:fld>
             <a:endParaRPr lang="zh-CN" altLang="en-US"/>
           </a:p>
@@ -1245,7 +1245,7 @@
           <a:p>
             <a:fld id="{2750015E-B5F4-40FB-A420-771076B76725}" type="datetime1">
               <a:rPr lang="zh-CN" altLang="en-US" smtClean="0"/>
-              <a:t>2021/4/23</a:t>
+              <a:t>2022/7/12</a:t>
             </a:fld>
             <a:endParaRPr lang="zh-CN" altLang="en-US"/>
           </a:p>
@@ -1528,7 +1528,7 @@
           <a:p>
             <a:fld id="{D8D7F58D-6340-4258-84B2-51D872870289}" type="datetime1">
               <a:rPr lang="zh-CN" altLang="en-US" smtClean="0"/>
-              <a:t>2021/4/23</a:t>
+              <a:t>2022/7/12</a:t>
             </a:fld>
             <a:endParaRPr lang="zh-CN" altLang="en-US"/>
           </a:p>
@@ -1801,7 +1801,7 @@
           <a:p>
             <a:fld id="{CF95930F-BC8D-4291-A347-52EE457F28AC}" type="datetime1">
               <a:rPr lang="zh-CN" altLang="en-US" smtClean="0"/>
-              <a:t>2021/4/23</a:t>
+              <a:t>2022/7/12</a:t>
             </a:fld>
             <a:endParaRPr lang="zh-CN" altLang="en-US"/>
           </a:p>
@@ -2221,7 +2221,7 @@
           <a:p>
             <a:fld id="{A0144562-18EF-4804-B489-529351FE0EFB}" type="datetime1">
               <a:rPr lang="zh-CN" altLang="en-US" smtClean="0"/>
-              <a:t>2021/4/23</a:t>
+              <a:t>2022/7/12</a:t>
             </a:fld>
             <a:endParaRPr lang="zh-CN" altLang="en-US"/>
           </a:p>
@@ -2370,7 +2370,7 @@
           <a:p>
             <a:fld id="{87AACDD8-1178-4728-8218-7551296B221B}" type="datetime1">
               <a:rPr lang="zh-CN" altLang="en-US" smtClean="0"/>
-              <a:t>2021/4/23</a:t>
+              <a:t>2022/7/12</a:t>
             </a:fld>
             <a:endParaRPr lang="zh-CN" altLang="en-US"/>
           </a:p>
@@ -2491,7 +2491,7 @@
           <a:p>
             <a:fld id="{03893235-274C-41AC-BC84-3C7717B495DB}" type="datetime1">
               <a:rPr lang="zh-CN" altLang="en-US" smtClean="0"/>
-              <a:t>2021/4/23</a:t>
+              <a:t>2022/7/12</a:t>
             </a:fld>
             <a:endParaRPr lang="zh-CN" altLang="en-US"/>
           </a:p>
@@ -2810,7 +2810,7 @@
           <a:p>
             <a:fld id="{B9E0922B-B69D-4DE3-9B28-B7CBDD995048}" type="datetime1">
               <a:rPr lang="zh-CN" altLang="en-US" smtClean="0"/>
-              <a:t>2021/4/23</a:t>
+              <a:t>2022/7/12</a:t>
             </a:fld>
             <a:endParaRPr lang="zh-CN" altLang="en-US"/>
           </a:p>
@@ -3106,7 +3106,7 @@
           <a:p>
             <a:fld id="{42048F93-B386-48E1-A4A4-90C957DCE639}" type="datetime1">
               <a:rPr lang="zh-CN" altLang="en-US" smtClean="0"/>
-              <a:t>2021/4/23</a:t>
+              <a:t>2022/7/12</a:t>
             </a:fld>
             <a:endParaRPr lang="zh-CN" altLang="en-US"/>
           </a:p>
@@ -3355,7 +3355,7 @@
           <a:p>
             <a:fld id="{2E2D3690-DEAE-4EF6-9EC5-36B2D000055D}" type="datetime1">
               <a:rPr lang="zh-CN" altLang="en-US" smtClean="0"/>
-              <a:t>2021/4/23</a:t>
+              <a:t>2022/7/12</a:t>
             </a:fld>
             <a:endParaRPr lang="zh-CN" altLang="en-US"/>
           </a:p>
@@ -3946,7 +3946,7 @@
     </p:spTree>
     <p:extLst>
       <p:ext uri="{BB962C8B-B14F-4D97-AF65-F5344CB8AC3E}">
-        <p14:creationId xmlns:p14="http://schemas.microsoft.com/office/powerpoint/2010/main" val="1663256248"/>
+        <p14:creationId xmlns:p14="http://schemas.microsoft.com/office/powerpoint/2010/main" val="4251716396"/>
       </p:ext>
     </p:extLst>
   </p:cSld>
@@ -4009,7 +4009,10 @@
               <a:rPr lang="en-US" altLang="zh-CN" sz="3200" dirty="0"/>
               <a:t>1</a:t>
             </a:r>
-            <a:endParaRPr lang="zh-CN" altLang="en-US" sz="3200" dirty="0"/>
+            <a:r>
+              <a:rPr lang="zh-CN" altLang="en-US" sz="3200" dirty="0"/>
+              <a:t> （没有对数器）</a:t>
+            </a:r>
           </a:p>
         </p:txBody>
       </p:sp>
@@ -4031,8 +4034,8 @@
         </p:nvSpPr>
         <p:spPr>
           <a:xfrm>
-            <a:off x="838200" y="2912727"/>
-            <a:ext cx="10515600" cy="2934620"/>
+            <a:off x="838200" y="2397720"/>
+            <a:ext cx="10515600" cy="3876956"/>
           </a:xfrm>
         </p:spPr>
         <p:txBody>
@@ -4382,7 +4385,7 @@
     </p:spTree>
     <p:extLst>
       <p:ext uri="{BB962C8B-B14F-4D97-AF65-F5344CB8AC3E}">
-        <p14:creationId xmlns:p14="http://schemas.microsoft.com/office/powerpoint/2010/main" val="3701031171"/>
+        <p14:creationId xmlns:p14="http://schemas.microsoft.com/office/powerpoint/2010/main" val="1814370130"/>
       </p:ext>
     </p:extLst>
   </p:cSld>
@@ -4443,7 +4446,7 @@
             </a:r>
             <a:r>
               <a:rPr lang="en-US" altLang="zh-CN" sz="3200" dirty="0"/>
-              <a:t>2</a:t>
+              <a:t>6</a:t>
             </a:r>
             <a:endParaRPr lang="zh-CN" altLang="en-US" sz="3200" dirty="0"/>
           </a:p>
@@ -4467,13 +4470,13 @@
         </p:nvSpPr>
         <p:spPr>
           <a:xfrm>
-            <a:off x="838200" y="2912727"/>
+            <a:off x="838200" y="2891707"/>
             <a:ext cx="10515600" cy="2934620"/>
           </a:xfrm>
         </p:spPr>
         <p:txBody>
           <a:bodyPr>
-            <a:normAutofit fontScale="92500"/>
+            <a:normAutofit/>
           </a:bodyPr>
           <a:lstStyle/>
           <a:p>
@@ -4482,31 +4485,23 @@
             </a:pPr>
             <a:r>
               <a:rPr lang="zh-CN" altLang="en-US" dirty="0"/>
-              <a:t>贩卖机只支持硬币支付，且收退都只支持</a:t>
-            </a:r>
-            <a:r>
-              <a:rPr lang="en-US" altLang="zh-CN" dirty="0"/>
-              <a:t>10 </a:t>
-            </a:r>
-            <a:r>
-              <a:rPr lang="zh-CN" altLang="en-US" dirty="0"/>
-              <a:t>，</a:t>
-            </a:r>
-            <a:r>
-              <a:rPr lang="en-US" altLang="zh-CN" dirty="0"/>
-              <a:t>50</a:t>
-            </a:r>
-            <a:r>
-              <a:rPr lang="zh-CN" altLang="en-US" dirty="0"/>
-              <a:t>，</a:t>
-            </a:r>
-            <a:r>
-              <a:rPr lang="en-US" altLang="zh-CN" dirty="0"/>
-              <a:t>100</a:t>
-            </a:r>
-            <a:r>
-              <a:rPr lang="zh-CN" altLang="en-US" dirty="0"/>
-              <a:t>三种面额</a:t>
+              <a:t>给定一个数组</a:t>
+            </a:r>
+            <a:r>
+              <a:rPr lang="en-US" altLang="zh-CN" dirty="0" err="1"/>
+              <a:t>arr</a:t>
+            </a:r>
+            <a:r>
+              <a:rPr lang="zh-CN" altLang="en-US" dirty="0"/>
+              <a:t>，只能对</a:t>
+            </a:r>
+            <a:r>
+              <a:rPr lang="en-US" altLang="zh-CN" dirty="0" err="1"/>
+              <a:t>arr</a:t>
+            </a:r>
+            <a:r>
+              <a:rPr lang="zh-CN" altLang="en-US" dirty="0"/>
+              <a:t>中的一个子数组排序，</a:t>
             </a:r>
             <a:endParaRPr lang="en-US" altLang="zh-CN" dirty="0"/>
           </a:p>
@@ -4516,7 +4511,15 @@
             </a:pPr>
             <a:r>
               <a:rPr lang="zh-CN" altLang="en-US" dirty="0"/>
-              <a:t>一次购买只能出一瓶可乐，且投钱和找零都遵循优先使用大钱的原则</a:t>
+              <a:t>但是想让</a:t>
+            </a:r>
+            <a:r>
+              <a:rPr lang="en-US" altLang="zh-CN" dirty="0" err="1"/>
+              <a:t>arr</a:t>
+            </a:r>
+            <a:r>
+              <a:rPr lang="zh-CN" altLang="en-US" dirty="0"/>
+              <a:t>整体都有序</a:t>
             </a:r>
             <a:endParaRPr lang="en-US" altLang="zh-CN" dirty="0"/>
           </a:p>
@@ -4526,15 +4529,7 @@
             </a:pPr>
             <a:r>
               <a:rPr lang="zh-CN" altLang="en-US" dirty="0"/>
-              <a:t>需要购买的可乐数量是</a:t>
-            </a:r>
-            <a:r>
-              <a:rPr lang="en" altLang="zh-CN" dirty="0"/>
-              <a:t>m</a:t>
-            </a:r>
-            <a:r>
-              <a:rPr lang="zh-CN" altLang="en" dirty="0"/>
-              <a:t>，</a:t>
+              <a:t>返回满足这一设定的子数组中，最短的是多长</a:t>
             </a:r>
             <a:endParaRPr lang="en-US" altLang="zh-CN" dirty="0"/>
           </a:p>
@@ -4542,54 +4537,7 @@
             <a:pPr marL="0" indent="0">
               <a:buNone/>
             </a:pPr>
-            <a:r>
-              <a:rPr lang="zh-CN" altLang="en-US" dirty="0"/>
-              <a:t>其中手头拥有的</a:t>
-            </a:r>
-            <a:r>
-              <a:rPr lang="en-US" altLang="zh-CN" dirty="0"/>
-              <a:t>10</a:t>
-            </a:r>
-            <a:r>
-              <a:rPr lang="zh-CN" altLang="en-US" dirty="0"/>
-              <a:t>、</a:t>
-            </a:r>
-            <a:r>
-              <a:rPr lang="en-US" altLang="zh-CN" dirty="0"/>
-              <a:t>50</a:t>
-            </a:r>
-            <a:r>
-              <a:rPr lang="zh-CN" altLang="en-US" dirty="0"/>
-              <a:t>、</a:t>
-            </a:r>
-            <a:r>
-              <a:rPr lang="en-US" altLang="zh-CN" dirty="0"/>
-              <a:t>100</a:t>
-            </a:r>
-            <a:r>
-              <a:rPr lang="zh-CN" altLang="en-US" dirty="0"/>
-              <a:t>的数量分别为</a:t>
-            </a:r>
-            <a:r>
-              <a:rPr lang="en-US" altLang="zh-CN" dirty="0"/>
-              <a:t>a</a:t>
-            </a:r>
-            <a:r>
-              <a:rPr lang="zh-CN" altLang="en-US" dirty="0"/>
-              <a:t>、</a:t>
-            </a:r>
-            <a:r>
-              <a:rPr lang="en-US" altLang="zh-CN" dirty="0"/>
-              <a:t>b</a:t>
-            </a:r>
-            <a:r>
-              <a:rPr lang="zh-CN" altLang="en-US" dirty="0"/>
-              <a:t>、</a:t>
-            </a:r>
-            <a:r>
-              <a:rPr lang="en-US" altLang="zh-CN" dirty="0"/>
-              <a:t>c</a:t>
-            </a:r>
+            <a:endParaRPr lang="en-US" altLang="zh-CN" dirty="0"/>
           </a:p>
           <a:p>
             <a:pPr marL="0" indent="0">
@@ -4597,39 +4545,8 @@
             </a:pPr>
             <a:r>
               <a:rPr lang="zh-CN" altLang="en-US" dirty="0"/>
-              <a:t>可乐的价格是</a:t>
-            </a:r>
-            <a:r>
-              <a:rPr lang="en" altLang="zh-CN" dirty="0"/>
-              <a:t>x(x</a:t>
-            </a:r>
-            <a:r>
-              <a:rPr lang="zh-CN" altLang="en-US" dirty="0"/>
-              <a:t>是</a:t>
-            </a:r>
-            <a:r>
-              <a:rPr lang="en-US" altLang="zh-CN" dirty="0"/>
-              <a:t>10</a:t>
-            </a:r>
-            <a:r>
-              <a:rPr lang="zh-CN" altLang="en-US" dirty="0"/>
-              <a:t>的倍数</a:t>
-            </a:r>
-            <a:r>
-              <a:rPr lang="en-US" altLang="zh-CN" dirty="0"/>
-              <a:t>)</a:t>
-            </a:r>
-            <a:endParaRPr lang="zh-CN" altLang="en-US" dirty="0"/>
-          </a:p>
-          <a:p>
-            <a:pPr marL="0" indent="0">
-              <a:buNone/>
-            </a:pPr>
-            <a:r>
-              <a:rPr lang="zh-CN" altLang="en-US" dirty="0"/>
-              <a:t>请计算出需要投入硬币次数？</a:t>
-            </a:r>
-            <a:endParaRPr lang="en-US" altLang="zh-CN" dirty="0"/>
+              <a:t>加个例子，不太懂题干</a:t>
+            </a:r>
           </a:p>
         </p:txBody>
       </p:sp>
@@ -4712,7 +4629,7 @@
     </p:spTree>
     <p:extLst>
       <p:ext uri="{BB962C8B-B14F-4D97-AF65-F5344CB8AC3E}">
-        <p14:creationId xmlns:p14="http://schemas.microsoft.com/office/powerpoint/2010/main" val="1445571621"/>
+        <p14:creationId xmlns:p14="http://schemas.microsoft.com/office/powerpoint/2010/main" val="460505464"/>
       </p:ext>
     </p:extLst>
   </p:cSld>
@@ -4773,7 +4690,7 @@
             </a:r>
             <a:r>
               <a:rPr lang="en-US" altLang="zh-CN" sz="3200" dirty="0"/>
-              <a:t>3</a:t>
+              <a:t>2</a:t>
             </a:r>
             <a:endParaRPr lang="zh-CN" altLang="en-US" sz="3200" dirty="0"/>
           </a:p>
@@ -4797,155 +4714,196 @@
         </p:nvSpPr>
         <p:spPr>
           <a:xfrm>
-            <a:off x="838200" y="2912727"/>
-            <a:ext cx="10515600" cy="2934620"/>
+            <a:off x="838200" y="2477964"/>
+            <a:ext cx="10515600" cy="3878386"/>
           </a:xfrm>
         </p:spPr>
         <p:txBody>
           <a:bodyPr>
-            <a:normAutofit/>
+            <a:normAutofit fontScale="92500" lnSpcReduction="20000"/>
           </a:bodyPr>
           <a:lstStyle/>
           <a:p>
-            <a:pPr marL="0" lvl="0" indent="0">
-              <a:lnSpc>
-                <a:spcPct val="100000"/>
-              </a:lnSpc>
-              <a:spcBef>
-                <a:spcPts val="0"/>
-              </a:spcBef>
-              <a:buNone/>
-              <a:defRPr/>
+            <a:pPr marL="0" indent="0">
+              <a:buNone/>
             </a:pPr>
             <a:r>
               <a:rPr lang="zh-CN" altLang="en-US" dirty="0"/>
-              <a:t>已知一个消息流会不断地吐出整数 </a:t>
+              <a:t>贩卖机只支持硬币支付，且收退都只支持</a:t>
             </a:r>
             <a:r>
               <a:rPr lang="en-US" altLang="zh-CN" dirty="0"/>
-              <a:t>1~N</a:t>
+              <a:t>10 </a:t>
             </a:r>
             <a:r>
               <a:rPr lang="zh-CN" altLang="en-US" dirty="0"/>
               <a:t>，</a:t>
             </a:r>
+            <a:r>
+              <a:rPr lang="en-US" altLang="zh-CN" dirty="0"/>
+              <a:t>50</a:t>
+            </a:r>
+            <a:r>
+              <a:rPr lang="zh-CN" altLang="en-US" dirty="0"/>
+              <a:t>，</a:t>
+            </a:r>
+            <a:r>
+              <a:rPr lang="en-US" altLang="zh-CN" dirty="0"/>
+              <a:t>100</a:t>
+            </a:r>
+            <a:r>
+              <a:rPr lang="zh-CN" altLang="en-US" dirty="0"/>
+              <a:t>三种面额</a:t>
+            </a:r>
             <a:endParaRPr lang="en-US" altLang="zh-CN" dirty="0"/>
           </a:p>
           <a:p>
-            <a:pPr marL="0" lvl="0" indent="0">
-              <a:lnSpc>
-                <a:spcPct val="100000"/>
-              </a:lnSpc>
-              <a:spcBef>
-                <a:spcPts val="0"/>
-              </a:spcBef>
-              <a:buNone/>
-              <a:defRPr/>
+            <a:pPr marL="0" indent="0">
+              <a:buNone/>
             </a:pPr>
             <a:r>
               <a:rPr lang="zh-CN" altLang="en-US" dirty="0"/>
-              <a:t>但不一定按照顺序依次吐出</a:t>
+              <a:t>一次购买只能出一瓶可乐，且投钱和找零都遵循优先使用大钱的原则</a:t>
             </a:r>
             <a:endParaRPr lang="en-US" altLang="zh-CN" dirty="0"/>
           </a:p>
           <a:p>
-            <a:pPr marL="0" lvl="0" indent="0">
-              <a:lnSpc>
-                <a:spcPct val="100000"/>
-              </a:lnSpc>
-              <a:spcBef>
-                <a:spcPts val="0"/>
-              </a:spcBef>
-              <a:buNone/>
-              <a:defRPr/>
+            <a:pPr marL="0" indent="0">
+              <a:buNone/>
             </a:pPr>
             <a:r>
               <a:rPr lang="zh-CN" altLang="en-US" dirty="0"/>
-              <a:t>如果上次打印的序号为</a:t>
-            </a:r>
-            <a:r>
-              <a:rPr lang="en-US" altLang="zh-CN" dirty="0" err="1"/>
-              <a:t>i</a:t>
-            </a:r>
-            <a:r>
-              <a:rPr lang="zh-CN" altLang="en-US" dirty="0"/>
-              <a:t>， 那么当</a:t>
+              <a:t>需要购买的可乐数量是</a:t>
+            </a:r>
+            <a:r>
+              <a:rPr lang="en" altLang="zh-CN" dirty="0"/>
+              <a:t>m</a:t>
+            </a:r>
+            <a:r>
+              <a:rPr lang="zh-CN" altLang="en" dirty="0"/>
+              <a:t>，</a:t>
+            </a:r>
+            <a:endParaRPr lang="en-US" altLang="zh-CN" dirty="0"/>
+          </a:p>
+          <a:p>
+            <a:pPr marL="0" indent="0">
+              <a:buNone/>
+            </a:pPr>
+            <a:r>
+              <a:rPr lang="zh-CN" altLang="en-US" dirty="0"/>
+              <a:t>其中手头拥有的</a:t>
             </a:r>
             <a:r>
               <a:rPr lang="en-US" altLang="zh-CN" dirty="0"/>
-              <a:t>i+1</a:t>
-            </a:r>
-            <a:r>
-              <a:rPr lang="zh-CN" altLang="en-US" dirty="0"/>
-              <a:t>出现时</a:t>
+              <a:t>10</a:t>
+            </a:r>
+            <a:r>
+              <a:rPr lang="zh-CN" altLang="en-US" dirty="0"/>
+              <a:t>、</a:t>
+            </a:r>
+            <a:r>
+              <a:rPr lang="en-US" altLang="zh-CN" dirty="0"/>
+              <a:t>50</a:t>
+            </a:r>
+            <a:r>
+              <a:rPr lang="zh-CN" altLang="en-US" dirty="0"/>
+              <a:t>、</a:t>
+            </a:r>
+            <a:r>
+              <a:rPr lang="en-US" altLang="zh-CN" dirty="0"/>
+              <a:t>100</a:t>
+            </a:r>
+            <a:r>
+              <a:rPr lang="zh-CN" altLang="en-US" dirty="0"/>
+              <a:t>的数量分别为</a:t>
+            </a:r>
+            <a:r>
+              <a:rPr lang="en-US" altLang="zh-CN" dirty="0"/>
+              <a:t>a</a:t>
+            </a:r>
+            <a:r>
+              <a:rPr lang="zh-CN" altLang="en-US" dirty="0"/>
+              <a:t>、</a:t>
+            </a:r>
+            <a:r>
+              <a:rPr lang="en-US" altLang="zh-CN" dirty="0"/>
+              <a:t>b</a:t>
+            </a:r>
+            <a:r>
+              <a:rPr lang="zh-CN" altLang="en-US" dirty="0"/>
+              <a:t>、</a:t>
+            </a:r>
+            <a:r>
+              <a:rPr lang="en-US" altLang="zh-CN" dirty="0"/>
+              <a:t>c</a:t>
+            </a:r>
+          </a:p>
+          <a:p>
+            <a:pPr marL="0" indent="0">
+              <a:buNone/>
+            </a:pPr>
+            <a:r>
+              <a:rPr lang="zh-CN" altLang="en-US" dirty="0"/>
+              <a:t>可乐的价格是</a:t>
+            </a:r>
+            <a:r>
+              <a:rPr lang="en" altLang="zh-CN" dirty="0"/>
+              <a:t>x(x</a:t>
+            </a:r>
+            <a:r>
+              <a:rPr lang="zh-CN" altLang="en-US" dirty="0"/>
+              <a:t>是</a:t>
+            </a:r>
+            <a:r>
+              <a:rPr lang="en-US" altLang="zh-CN" dirty="0"/>
+              <a:t>10</a:t>
+            </a:r>
+            <a:r>
+              <a:rPr lang="zh-CN" altLang="en-US" dirty="0"/>
+              <a:t>的倍数</a:t>
+            </a:r>
+            <a:r>
+              <a:rPr lang="en-US" altLang="zh-CN" dirty="0"/>
+              <a:t>)</a:t>
+            </a:r>
+            <a:endParaRPr lang="zh-CN" altLang="en-US" dirty="0"/>
+          </a:p>
+          <a:p>
+            <a:pPr marL="0" indent="0">
+              <a:buNone/>
+            </a:pPr>
+            <a:r>
+              <a:rPr lang="zh-CN" altLang="en-US" dirty="0"/>
+              <a:t>请计算出需要投入硬币次数？</a:t>
             </a:r>
             <a:endParaRPr lang="en-US" altLang="zh-CN" dirty="0"/>
           </a:p>
           <a:p>
-            <a:pPr marL="0" lvl="0" indent="0">
-              <a:lnSpc>
-                <a:spcPct val="100000"/>
-              </a:lnSpc>
-              <a:spcBef>
-                <a:spcPts val="0"/>
-              </a:spcBef>
-              <a:buNone/>
-              <a:defRPr/>
+            <a:pPr marL="0" indent="0">
+              <a:buNone/>
             </a:pPr>
-            <a:r>
-              <a:rPr lang="zh-CN" altLang="en-US" dirty="0"/>
-              <a:t>请打印 </a:t>
-            </a:r>
-            <a:r>
-              <a:rPr lang="en-US" altLang="zh-CN" dirty="0"/>
-              <a:t>i+1 </a:t>
-            </a:r>
-            <a:r>
-              <a:rPr lang="zh-CN" altLang="en-US" dirty="0"/>
-              <a:t>及其之后接收过的并且连续的所有数</a:t>
-            </a:r>
             <a:endParaRPr lang="en-US" altLang="zh-CN" dirty="0"/>
           </a:p>
           <a:p>
-            <a:pPr marL="0" lvl="0" indent="0">
-              <a:lnSpc>
-                <a:spcPct val="100000"/>
-              </a:lnSpc>
-              <a:spcBef>
-                <a:spcPts val="0"/>
-              </a:spcBef>
-              <a:buNone/>
-              <a:defRPr/>
+            <a:pPr marL="0" indent="0">
+              <a:buNone/>
             </a:pPr>
-            <a:r>
-              <a:rPr lang="zh-CN" altLang="en-US" dirty="0"/>
-              <a:t>直到</a:t>
-            </a:r>
-            <a:r>
-              <a:rPr lang="en-US" altLang="zh-CN" dirty="0"/>
-              <a:t>1~N</a:t>
-            </a:r>
-            <a:r>
-              <a:rPr lang="zh-CN" altLang="en-US" dirty="0"/>
-              <a:t>全部接收并打印完</a:t>
-            </a:r>
             <a:endParaRPr lang="en-US" altLang="zh-CN" dirty="0"/>
           </a:p>
           <a:p>
-            <a:pPr marL="0" lvl="0" indent="0">
-              <a:lnSpc>
-                <a:spcPct val="100000"/>
-              </a:lnSpc>
-              <a:spcBef>
-                <a:spcPts val="0"/>
-              </a:spcBef>
-              <a:buNone/>
-              <a:defRPr/>
+            <a:pPr marL="0" indent="0">
+              <a:buNone/>
             </a:pPr>
             <a:r>
               <a:rPr lang="zh-CN" altLang="en-US" dirty="0"/>
-              <a:t>请设计这种接收并打印的结构</a:t>
-            </a:r>
+              <a:t>模拟？感觉要一次一次购买计算，因为一次购买只能出一瓶可乐</a:t>
+            </a:r>
+            <a:endParaRPr lang="en-US" altLang="zh-CN" dirty="0"/>
+          </a:p>
+          <a:p>
+            <a:pPr marL="0" indent="0">
+              <a:buNone/>
+            </a:pPr>
             <a:endParaRPr lang="en-US" altLang="zh-CN" dirty="0"/>
           </a:p>
         </p:txBody>
@@ -5029,7 +4987,7 @@
     </p:spTree>
     <p:extLst>
       <p:ext uri="{BB962C8B-B14F-4D97-AF65-F5344CB8AC3E}">
-        <p14:creationId xmlns:p14="http://schemas.microsoft.com/office/powerpoint/2010/main" val="3577938831"/>
+        <p14:creationId xmlns:p14="http://schemas.microsoft.com/office/powerpoint/2010/main" val="3236555984"/>
       </p:ext>
     </p:extLst>
   </p:cSld>
@@ -5120,7 +5078,7 @@
         </p:spPr>
         <p:txBody>
           <a:bodyPr>
-            <a:normAutofit/>
+            <a:normAutofit lnSpcReduction="10000"/>
           </a:bodyPr>
           <a:lstStyle/>
           <a:p>
@@ -5275,6 +5233,26 @@
             </a:r>
             <a:endParaRPr lang="en-US" altLang="zh-CN" dirty="0"/>
           </a:p>
+          <a:p>
+            <a:pPr marL="0" indent="0">
+              <a:buNone/>
+            </a:pPr>
+            <a:endParaRPr lang="en-US" altLang="zh-CN" dirty="0"/>
+          </a:p>
+          <a:p>
+            <a:pPr marL="0" indent="0">
+              <a:buNone/>
+            </a:pPr>
+            <a:r>
+              <a:rPr lang="zh-CN" altLang="en-US" dirty="0"/>
+              <a:t>三个参数的动态规划，</a:t>
+            </a:r>
+            <a:r>
+              <a:rPr lang="en-US" altLang="zh-CN" dirty="0" err="1"/>
+              <a:t>restA,restB,index</a:t>
+            </a:r>
+            <a:endParaRPr lang="en-US" altLang="zh-CN" dirty="0"/>
+          </a:p>
         </p:txBody>
       </p:sp>
       <p:sp>
@@ -5299,14 +5277,18 @@
           <a:lstStyle/>
           <a:p>
             <a:r>
-              <a:rPr lang="zh-CN" altLang="en-US"/>
+              <a:rPr lang="zh-CN" altLang="en-US" dirty="0"/>
               <a:t>马士兵教育 </a:t>
             </a:r>
             <a:r>
-              <a:rPr lang="en-US" altLang="zh-CN"/>
-              <a:t>http://mashibing.com</a:t>
-            </a:r>
-            <a:endParaRPr lang="zh-CN" altLang="en-US"/>
+              <a:rPr lang="en-US" altLang="zh-CN" dirty="0"/>
+              <a:t>http://</a:t>
+            </a:r>
+            <a:r>
+              <a:rPr lang="en-US" altLang="zh-CN" dirty="0" err="1"/>
+              <a:t>mashibing.com</a:t>
+            </a:r>
+            <a:endParaRPr lang="zh-CN" altLang="en-US" dirty="0"/>
           </a:p>
         </p:txBody>
       </p:sp>
@@ -5356,7 +5338,7 @@
     </p:spTree>
     <p:extLst>
       <p:ext uri="{BB962C8B-B14F-4D97-AF65-F5344CB8AC3E}">
-        <p14:creationId xmlns:p14="http://schemas.microsoft.com/office/powerpoint/2010/main" val="3437245743"/>
+        <p14:creationId xmlns:p14="http://schemas.microsoft.com/office/powerpoint/2010/main" val="4178585859"/>
       </p:ext>
     </p:extLst>
   </p:cSld>
@@ -5367,7 +5349,7 @@
 </file>
 
 <file path=ppt/slides/slide6.xml><?xml version="1.0" encoding="utf-8"?>
-<p:sld xmlns:a="http://schemas.openxmlformats.org/drawingml/2006/main" xmlns:r="http://schemas.openxmlformats.org/officeDocument/2006/relationships" xmlns:p="http://schemas.openxmlformats.org/presentationml/2006/main">
+<p:sld xmlns:a="http://schemas.openxmlformats.org/drawingml/2006/main" xmlns:r="http://schemas.openxmlformats.org/officeDocument/2006/relationships" xmlns:p="http://schemas.openxmlformats.org/presentationml/2006/main" show="0">
   <p:cSld>
     <p:spTree>
       <p:nvGrpSpPr>
@@ -5417,7 +5399,7 @@
             </a:r>
             <a:r>
               <a:rPr lang="en-US" altLang="zh-CN" sz="3200" dirty="0"/>
-              <a:t>5</a:t>
+              <a:t>3</a:t>
             </a:r>
             <a:endParaRPr lang="zh-CN" altLang="en-US" sz="3200" dirty="0"/>
           </a:p>
@@ -5441,8 +5423,8 @@
         </p:nvSpPr>
         <p:spPr>
           <a:xfrm>
-            <a:off x="838200" y="2912727"/>
-            <a:ext cx="10515600" cy="2934620"/>
+            <a:off x="838200" y="2477964"/>
+            <a:ext cx="10515600" cy="3744160"/>
           </a:xfrm>
         </p:spPr>
         <p:txBody>
@@ -5451,62 +5433,176 @@
           </a:bodyPr>
           <a:lstStyle/>
           <a:p>
-            <a:pPr marL="0" indent="0">
-              <a:buNone/>
+            <a:pPr marL="0" lvl="0" indent="0">
+              <a:lnSpc>
+                <a:spcPct val="100000"/>
+              </a:lnSpc>
+              <a:spcBef>
+                <a:spcPts val="0"/>
+              </a:spcBef>
+              <a:buNone/>
+              <a:defRPr/>
             </a:pPr>
             <a:r>
               <a:rPr lang="zh-CN" altLang="en-US" dirty="0"/>
-              <a:t>设计有</a:t>
+              <a:t>已知一个消息流会不断地吐出整数 </a:t>
+            </a:r>
+            <a:r>
+              <a:rPr lang="en-US" altLang="zh-CN" dirty="0"/>
+              <a:t>1~N</a:t>
+            </a:r>
+            <a:r>
+              <a:rPr lang="zh-CN" altLang="en-US" dirty="0"/>
+              <a:t>，</a:t>
+            </a:r>
+            <a:endParaRPr lang="en-US" altLang="zh-CN" dirty="0"/>
+          </a:p>
+          <a:p>
+            <a:pPr marL="0" lvl="0" indent="0">
+              <a:lnSpc>
+                <a:spcPct val="100000"/>
+              </a:lnSpc>
+              <a:spcBef>
+                <a:spcPts val="0"/>
+              </a:spcBef>
+              <a:buNone/>
+              <a:defRPr/>
+            </a:pPr>
+            <a:r>
+              <a:rPr lang="zh-CN" altLang="en-US" dirty="0"/>
+              <a:t>但不一定按照顺序依次吐出</a:t>
+            </a:r>
+            <a:endParaRPr lang="en-US" altLang="zh-CN" dirty="0"/>
+          </a:p>
+          <a:p>
+            <a:pPr marL="0" lvl="0" indent="0">
+              <a:lnSpc>
+                <a:spcPct val="100000"/>
+              </a:lnSpc>
+              <a:spcBef>
+                <a:spcPts val="0"/>
+              </a:spcBef>
+              <a:buNone/>
+              <a:defRPr/>
+            </a:pPr>
+            <a:r>
+              <a:rPr lang="zh-CN" altLang="en-US" dirty="0"/>
+              <a:t>如果上次打印的序号为</a:t>
             </a:r>
             <a:r>
               <a:rPr lang="en-US" altLang="zh-CN" dirty="0" err="1"/>
-              <a:t>setAll</a:t>
-            </a:r>
-            <a:r>
-              <a:rPr lang="zh-CN" altLang="en-US" dirty="0"/>
-              <a:t>功能的哈希表</a:t>
+              <a:t>i</a:t>
+            </a:r>
+            <a:r>
+              <a:rPr lang="zh-CN" altLang="en-US" dirty="0"/>
+              <a:t>， 那么当</a:t>
+            </a:r>
+            <a:r>
+              <a:rPr lang="en-US" altLang="zh-CN" dirty="0"/>
+              <a:t>i+1</a:t>
+            </a:r>
+            <a:r>
+              <a:rPr lang="zh-CN" altLang="en-US" dirty="0"/>
+              <a:t>出现时</a:t>
             </a:r>
             <a:endParaRPr lang="en-US" altLang="zh-CN" dirty="0"/>
           </a:p>
           <a:p>
-            <a:pPr marL="0" indent="0">
-              <a:buNone/>
+            <a:pPr marL="0" lvl="0" indent="0">
+              <a:lnSpc>
+                <a:spcPct val="100000"/>
+              </a:lnSpc>
+              <a:spcBef>
+                <a:spcPts val="0"/>
+              </a:spcBef>
+              <a:buNone/>
+              <a:defRPr/>
+            </a:pPr>
+            <a:r>
+              <a:rPr lang="zh-CN" altLang="en-US" dirty="0"/>
+              <a:t>请打印 </a:t>
+            </a:r>
+            <a:r>
+              <a:rPr lang="en-US" altLang="zh-CN" dirty="0"/>
+              <a:t>i+1 </a:t>
+            </a:r>
+            <a:r>
+              <a:rPr lang="zh-CN" altLang="en-US" dirty="0"/>
+              <a:t>及其之后接收过的并且连续的所有数</a:t>
+            </a:r>
+            <a:endParaRPr lang="en-US" altLang="zh-CN" dirty="0"/>
+          </a:p>
+          <a:p>
+            <a:pPr marL="0" lvl="0" indent="0">
+              <a:lnSpc>
+                <a:spcPct val="100000"/>
+              </a:lnSpc>
+              <a:spcBef>
+                <a:spcPts val="0"/>
+              </a:spcBef>
+              <a:buNone/>
+              <a:defRPr/>
+            </a:pPr>
+            <a:r>
+              <a:rPr lang="zh-CN" altLang="en-US" dirty="0"/>
+              <a:t>直到</a:t>
+            </a:r>
+            <a:r>
+              <a:rPr lang="en-US" altLang="zh-CN" dirty="0"/>
+              <a:t>1~N</a:t>
+            </a:r>
+            <a:r>
+              <a:rPr lang="zh-CN" altLang="en-US" dirty="0"/>
+              <a:t>全部接收并打印完</a:t>
+            </a:r>
+            <a:endParaRPr lang="en-US" altLang="zh-CN" dirty="0"/>
+          </a:p>
+          <a:p>
+            <a:pPr marL="0" lvl="0" indent="0">
+              <a:lnSpc>
+                <a:spcPct val="100000"/>
+              </a:lnSpc>
+              <a:spcBef>
+                <a:spcPts val="0"/>
+              </a:spcBef>
+              <a:buNone/>
+              <a:defRPr/>
+            </a:pPr>
+            <a:r>
+              <a:rPr lang="zh-CN" altLang="en-US" dirty="0"/>
+              <a:t>请设计这种接收并打印的结构</a:t>
+            </a:r>
+            <a:endParaRPr lang="en-US" altLang="zh-CN" dirty="0"/>
+          </a:p>
+          <a:p>
+            <a:pPr marL="0" lvl="0" indent="0">
+              <a:lnSpc>
+                <a:spcPct val="100000"/>
+              </a:lnSpc>
+              <a:spcBef>
+                <a:spcPts val="0"/>
+              </a:spcBef>
+              <a:buNone/>
+              <a:defRPr/>
             </a:pPr>
             <a:endParaRPr lang="en-US" altLang="zh-CN" dirty="0"/>
           </a:p>
           <a:p>
-            <a:pPr marL="0" indent="0">
-              <a:buNone/>
+            <a:pPr marL="0" lvl="0" indent="0">
+              <a:lnSpc>
+                <a:spcPct val="100000"/>
+              </a:lnSpc>
+              <a:spcBef>
+                <a:spcPts val="0"/>
+              </a:spcBef>
+              <a:buNone/>
+              <a:defRPr/>
             </a:pPr>
             <a:r>
-              <a:rPr lang="en-US" altLang="zh-CN" dirty="0"/>
-              <a:t>put</a:t>
-            </a:r>
-            <a:r>
-              <a:rPr lang="zh-CN" altLang="en-US" dirty="0"/>
-              <a:t>、</a:t>
-            </a:r>
-            <a:r>
-              <a:rPr lang="en-US" altLang="zh-CN" dirty="0"/>
-              <a:t>get</a:t>
-            </a:r>
-            <a:r>
-              <a:rPr lang="zh-CN" altLang="en-US" dirty="0"/>
-              <a:t>、</a:t>
-            </a:r>
-            <a:r>
-              <a:rPr lang="en-US" altLang="zh-CN" dirty="0" err="1"/>
-              <a:t>setAll</a:t>
-            </a:r>
-            <a:r>
-              <a:rPr lang="zh-CN" altLang="en-US" dirty="0"/>
-              <a:t>方法，时间复杂度</a:t>
-            </a:r>
-            <a:r>
-              <a:rPr lang="en-US" altLang="zh-CN" dirty="0"/>
-              <a:t>O(1)</a:t>
-            </a:r>
-            <a:endParaRPr lang="zh-CN" altLang="en-US" dirty="0"/>
+              <a:rPr lang="zh-CN" altLang="en-US" dirty="0"/>
+              <a:t>加个例子，没读懂题干</a:t>
+            </a:r>
+            <a:endParaRPr lang="en-US" altLang="zh-CN" dirty="0"/>
           </a:p>
         </p:txBody>
       </p:sp>
@@ -5589,7 +5685,7 @@
     </p:spTree>
     <p:extLst>
       <p:ext uri="{BB962C8B-B14F-4D97-AF65-F5344CB8AC3E}">
-        <p14:creationId xmlns:p14="http://schemas.microsoft.com/office/powerpoint/2010/main" val="4204921044"/>
+        <p14:creationId xmlns:p14="http://schemas.microsoft.com/office/powerpoint/2010/main" val="385750748"/>
       </p:ext>
     </p:extLst>
   </p:cSld>
@@ -5600,7 +5696,7 @@
 </file>
 
 <file path=ppt/slides/slide7.xml><?xml version="1.0" encoding="utf-8"?>
-<p:sld xmlns:a="http://schemas.openxmlformats.org/drawingml/2006/main" xmlns:r="http://schemas.openxmlformats.org/officeDocument/2006/relationships" xmlns:p="http://schemas.openxmlformats.org/presentationml/2006/main">
+<p:sld xmlns:a="http://schemas.openxmlformats.org/drawingml/2006/main" xmlns:r="http://schemas.openxmlformats.org/officeDocument/2006/relationships" xmlns:p="http://schemas.openxmlformats.org/presentationml/2006/main" show="0">
   <p:cSld>
     <p:spTree>
       <p:nvGrpSpPr>
@@ -5650,7 +5746,7 @@
             </a:r>
             <a:r>
               <a:rPr lang="en-US" altLang="zh-CN" sz="3200" dirty="0"/>
-              <a:t>6</a:t>
+              <a:t>5</a:t>
             </a:r>
             <a:endParaRPr lang="zh-CN" altLang="en-US" sz="3200" dirty="0"/>
           </a:p>
@@ -5689,24 +5785,61 @@
             </a:pPr>
             <a:r>
               <a:rPr lang="zh-CN" altLang="en-US" dirty="0"/>
-              <a:t>给定一个数组</a:t>
+              <a:t>设计有</a:t>
             </a:r>
             <a:r>
               <a:rPr lang="en-US" altLang="zh-CN" dirty="0" err="1"/>
-              <a:t>arr</a:t>
-            </a:r>
-            <a:r>
-              <a:rPr lang="zh-CN" altLang="en-US" dirty="0"/>
-              <a:t>，只能对</a:t>
+              <a:t>setAll</a:t>
+            </a:r>
+            <a:r>
+              <a:rPr lang="zh-CN" altLang="en-US" dirty="0"/>
+              <a:t>功能的哈希表</a:t>
+            </a:r>
+            <a:endParaRPr lang="en-US" altLang="zh-CN" dirty="0"/>
+          </a:p>
+          <a:p>
+            <a:pPr marL="0" indent="0">
+              <a:buNone/>
+            </a:pPr>
+            <a:endParaRPr lang="en-US" altLang="zh-CN" dirty="0"/>
+          </a:p>
+          <a:p>
+            <a:pPr marL="0" indent="0">
+              <a:buNone/>
+            </a:pPr>
+            <a:r>
+              <a:rPr lang="en-US" altLang="zh-CN" dirty="0"/>
+              <a:t>put</a:t>
+            </a:r>
+            <a:r>
+              <a:rPr lang="zh-CN" altLang="en-US" dirty="0"/>
+              <a:t>、</a:t>
+            </a:r>
+            <a:r>
+              <a:rPr lang="en-US" altLang="zh-CN" dirty="0"/>
+              <a:t>get</a:t>
+            </a:r>
+            <a:r>
+              <a:rPr lang="zh-CN" altLang="en-US" dirty="0"/>
+              <a:t>、</a:t>
             </a:r>
             <a:r>
               <a:rPr lang="en-US" altLang="zh-CN" dirty="0" err="1"/>
-              <a:t>arr</a:t>
-            </a:r>
-            <a:r>
-              <a:rPr lang="zh-CN" altLang="en-US" dirty="0"/>
-              <a:t>中的一个子数组排序，</a:t>
-            </a:r>
+              <a:t>setAll</a:t>
+            </a:r>
+            <a:r>
+              <a:rPr lang="zh-CN" altLang="en-US" dirty="0"/>
+              <a:t>方法，时间复杂度</a:t>
+            </a:r>
+            <a:r>
+              <a:rPr lang="en-US" altLang="zh-CN" dirty="0"/>
+              <a:t>O(1)</a:t>
+            </a:r>
+          </a:p>
+          <a:p>
+            <a:pPr marL="0" indent="0">
+              <a:buNone/>
+            </a:pPr>
             <a:endParaRPr lang="en-US" altLang="zh-CN" dirty="0"/>
           </a:p>
           <a:p>
@@ -5715,25 +5848,7 @@
             </a:pPr>
             <a:r>
               <a:rPr lang="zh-CN" altLang="en-US" dirty="0"/>
-              <a:t>但是想让</a:t>
-            </a:r>
-            <a:r>
-              <a:rPr lang="en-US" altLang="zh-CN" dirty="0" err="1"/>
-              <a:t>arr</a:t>
-            </a:r>
-            <a:r>
-              <a:rPr lang="zh-CN" altLang="en-US" dirty="0"/>
-              <a:t>整体都有序</a:t>
-            </a:r>
-            <a:endParaRPr lang="en-US" altLang="zh-CN" dirty="0"/>
-          </a:p>
-          <a:p>
-            <a:pPr marL="0" indent="0">
-              <a:buNone/>
-            </a:pPr>
-            <a:r>
-              <a:rPr lang="zh-CN" altLang="en-US" dirty="0"/>
-              <a:t>返回满足这一设定的子数组中，最短的是多长</a:t>
+              <a:t>不太懂</a:t>
             </a:r>
           </a:p>
         </p:txBody>
@@ -5817,7 +5932,7 @@
     </p:spTree>
     <p:extLst>
       <p:ext uri="{BB962C8B-B14F-4D97-AF65-F5344CB8AC3E}">
-        <p14:creationId xmlns:p14="http://schemas.microsoft.com/office/powerpoint/2010/main" val="3848427389"/>
+        <p14:creationId xmlns:p14="http://schemas.microsoft.com/office/powerpoint/2010/main" val="1681789895"/>
       </p:ext>
     </p:extLst>
   </p:cSld>
